--- a/Presentasi.pptx
+++ b/Presentasi.pptx
@@ -34,20 +34,20 @@
       <p:boldItalic r:id="rId20"/>
     </p:embeddedFont>
     <p:embeddedFont>
-      <p:font typeface="Mulish" charset="0"/>
+      <p:font typeface="Quicksand" charset="0"/>
       <p:regular r:id="rId21"/>
       <p:bold r:id="rId22"/>
-      <p:italic r:id="rId23"/>
-      <p:boldItalic r:id="rId24"/>
-    </p:embeddedFont>
-    <p:embeddedFont>
-      <p:font typeface="Quicksand" charset="0"/>
-      <p:regular r:id="rId25"/>
-      <p:bold r:id="rId26"/>
     </p:embeddedFont>
     <p:embeddedFont>
       <p:font typeface="Bebas Neue" charset="0"/>
-      <p:regular r:id="rId27"/>
+      <p:regular r:id="rId23"/>
+    </p:embeddedFont>
+    <p:embeddedFont>
+      <p:font typeface="Mulish" charset="0"/>
+      <p:regular r:id="rId24"/>
+      <p:bold r:id="rId25"/>
+      <p:italic r:id="rId26"/>
+      <p:boldItalic r:id="rId27"/>
     </p:embeddedFont>
   </p:embeddedFontLst>
   <p:defaultTextStyle>
@@ -12444,8 +12444,8 @@
         </p:nvSpPr>
         <p:spPr>
           <a:xfrm>
-            <a:off x="1475656" y="4256190"/>
-            <a:ext cx="5942700" cy="475800"/>
+            <a:off x="1475656" y="3939902"/>
+            <a:ext cx="5942700" cy="792088"/>
           </a:xfrm>
           <a:prstGeom prst="rect">
             <a:avLst/>
@@ -12467,12 +12467,39 @@
               <a:buNone/>
             </a:pPr>
             <a:r>
+              <a:rPr lang="en" sz="1200" b="1" smtClean="0">
+                <a:solidFill>
+                  <a:schemeClr val="tx1"/>
+                </a:solidFill>
+              </a:rPr>
+              <a:t>Dosen Penguji	: Gusrino Yanto, M.Kom</a:t>
+            </a:r>
+          </a:p>
+          <a:p>
+            <a:pPr marL="0" lvl="0" indent="0" algn="l" rtl="0">
+              <a:spcBef>
+                <a:spcPts val="0"/>
+              </a:spcBef>
+              <a:spcAft>
+                <a:spcPts val="0"/>
+              </a:spcAft>
+              <a:buNone/>
+            </a:pPr>
+            <a:r>
               <a:rPr lang="en" sz="1200" b="1" dirty="0" smtClean="0">
                 <a:solidFill>
                   <a:schemeClr val="tx1"/>
                 </a:solidFill>
               </a:rPr>
-              <a:t>Dosen Pembimbing I	: Heru Saputra, M.Kom</a:t>
+              <a:t>Dosen </a:t>
+            </a:r>
+            <a:r>
+              <a:rPr lang="en" sz="1200" b="1" dirty="0" smtClean="0">
+                <a:solidFill>
+                  <a:schemeClr val="tx1"/>
+                </a:solidFill>
+              </a:rPr>
+              <a:t>Pembimbing I	: Heru Saputra, M.Kom</a:t>
             </a:r>
           </a:p>
           <a:p>
@@ -15921,21 +15948,376 @@
           </a:bodyPr>
           <a:lstStyle/>
           <a:p>
-            <a:pPr marL="0" lvl="0" indent="0" algn="just" rtl="0">
-              <a:spcBef>
-                <a:spcPts val="0"/>
-              </a:spcBef>
-              <a:spcAft>
-                <a:spcPts val="0"/>
-              </a:spcAft>
-              <a:buNone/>
-            </a:pPr>
-            <a:r>
-              <a:rPr lang="en" dirty="0" smtClean="0">
+            <a:pPr marL="0" lvl="0" indent="0" algn="just"/>
+            <a:r>
+              <a:rPr lang="en-US" sz="1200" dirty="0" err="1"/>
+              <a:t>Sistem</a:t>
+            </a:r>
+            <a:r>
+              <a:rPr lang="en-US" sz="1200" dirty="0"/>
+              <a:t> </a:t>
+            </a:r>
+            <a:r>
+              <a:rPr lang="en-US" sz="1200" dirty="0" err="1"/>
+              <a:t>informasi</a:t>
+            </a:r>
+            <a:r>
+              <a:rPr lang="en-US" sz="1200" dirty="0"/>
+              <a:t> </a:t>
+            </a:r>
+            <a:r>
+              <a:rPr lang="en-US" sz="1200" dirty="0" err="1"/>
+              <a:t>telah</a:t>
+            </a:r>
+            <a:r>
+              <a:rPr lang="en-US" sz="1200" dirty="0"/>
+              <a:t> </a:t>
+            </a:r>
+            <a:r>
+              <a:rPr lang="en-US" sz="1200" dirty="0" err="1"/>
+              <a:t>berkembang</a:t>
+            </a:r>
+            <a:r>
+              <a:rPr lang="en-US" sz="1200" dirty="0"/>
+              <a:t> </a:t>
+            </a:r>
+            <a:r>
+              <a:rPr lang="en-US" sz="1200" dirty="0" err="1"/>
+              <a:t>seiring</a:t>
+            </a:r>
+            <a:r>
+              <a:rPr lang="en-US" sz="1200" dirty="0"/>
+              <a:t> </a:t>
+            </a:r>
+            <a:r>
+              <a:rPr lang="en-US" sz="1200" dirty="0" err="1"/>
+              <a:t>dengan</a:t>
+            </a:r>
+            <a:r>
+              <a:rPr lang="en-US" sz="1200" dirty="0"/>
+              <a:t> </a:t>
+            </a:r>
+            <a:r>
+              <a:rPr lang="en-US" sz="1200" dirty="0" err="1"/>
+              <a:t>perkembangan</a:t>
+            </a:r>
+            <a:r>
+              <a:rPr lang="en-US" sz="1200" dirty="0"/>
+              <a:t> </a:t>
+            </a:r>
+            <a:r>
+              <a:rPr lang="en-US" sz="1200" dirty="0" err="1"/>
+              <a:t>teknologi</a:t>
+            </a:r>
+            <a:r>
+              <a:rPr lang="en-US" sz="1200" dirty="0"/>
+              <a:t> </a:t>
+            </a:r>
+            <a:r>
+              <a:rPr lang="en-US" sz="1200" dirty="0" err="1"/>
+              <a:t>informasi</a:t>
+            </a:r>
+            <a:r>
+              <a:rPr lang="en-US" sz="1200" dirty="0"/>
+              <a:t> yang </a:t>
+            </a:r>
+            <a:r>
+              <a:rPr lang="en-US" sz="1200" dirty="0" err="1"/>
+              <a:t>sangat</a:t>
+            </a:r>
+            <a:r>
+              <a:rPr lang="en-US" sz="1200" dirty="0"/>
+              <a:t> </a:t>
+            </a:r>
+            <a:r>
+              <a:rPr lang="en-US" sz="1200" dirty="0" err="1"/>
+              <a:t>cepat</a:t>
+            </a:r>
+            <a:r>
+              <a:rPr lang="en-US" sz="1200" dirty="0"/>
+              <a:t> </a:t>
+            </a:r>
+            <a:r>
+              <a:rPr lang="en-US" sz="1200" dirty="0" err="1"/>
+              <a:t>dan</a:t>
+            </a:r>
+            <a:r>
+              <a:rPr lang="en-US" sz="1200" dirty="0"/>
+              <a:t> </a:t>
+            </a:r>
+            <a:r>
+              <a:rPr lang="en-US" sz="1200" dirty="0" err="1"/>
+              <a:t>terbukti</a:t>
+            </a:r>
+            <a:r>
+              <a:rPr lang="en-US" sz="1200" dirty="0"/>
+              <a:t> </a:t>
+            </a:r>
+            <a:r>
+              <a:rPr lang="en-US" sz="1200" dirty="0" err="1"/>
+              <a:t>berperan</a:t>
+            </a:r>
+            <a:r>
+              <a:rPr lang="en-US" sz="1200" dirty="0"/>
+              <a:t> </a:t>
+            </a:r>
+            <a:r>
+              <a:rPr lang="en-US" sz="1200" dirty="0" err="1"/>
+              <a:t>dalam</a:t>
+            </a:r>
+            <a:r>
+              <a:rPr lang="en-US" sz="1200" dirty="0"/>
+              <a:t> </a:t>
+            </a:r>
+            <a:r>
+              <a:rPr lang="en-US" sz="1200" dirty="0" err="1"/>
+              <a:t>berbagai</a:t>
+            </a:r>
+            <a:r>
+              <a:rPr lang="en-US" sz="1200" dirty="0"/>
+              <a:t> </a:t>
+            </a:r>
+            <a:r>
+              <a:rPr lang="en-US" sz="1200" dirty="0" err="1"/>
+              <a:t>kegiatan</a:t>
+            </a:r>
+            <a:r>
+              <a:rPr lang="en-US" sz="1200" dirty="0"/>
+              <a:t>. </a:t>
+            </a:r>
+            <a:r>
+              <a:rPr lang="en-US" sz="1200" dirty="0" err="1"/>
+              <a:t>Keberadaan</a:t>
+            </a:r>
+            <a:r>
+              <a:rPr lang="en-US" sz="1200" dirty="0"/>
+              <a:t> </a:t>
+            </a:r>
+            <a:r>
+              <a:rPr lang="en-US" sz="1200" dirty="0" err="1"/>
+              <a:t>sistem</a:t>
+            </a:r>
+            <a:r>
+              <a:rPr lang="en-US" sz="1200" dirty="0"/>
+              <a:t> </a:t>
+            </a:r>
+            <a:r>
+              <a:rPr lang="en-US" sz="1200" dirty="0" err="1"/>
+              <a:t>informasi</a:t>
+            </a:r>
+            <a:r>
+              <a:rPr lang="en-US" sz="1200" dirty="0"/>
+              <a:t> </a:t>
+            </a:r>
+            <a:r>
+              <a:rPr lang="en-US" sz="1200" dirty="0" err="1"/>
+              <a:t>mendukung</a:t>
+            </a:r>
+            <a:r>
+              <a:rPr lang="en-US" sz="1200" dirty="0"/>
+              <a:t> </a:t>
+            </a:r>
+            <a:r>
+              <a:rPr lang="en-US" sz="1200" dirty="0" err="1"/>
+              <a:t>kinerja</a:t>
+            </a:r>
+            <a:r>
+              <a:rPr lang="en-US" sz="1200" dirty="0"/>
+              <a:t> </a:t>
+            </a:r>
+            <a:r>
+              <a:rPr lang="en-US" sz="1200" dirty="0" err="1"/>
+              <a:t>peningkatan</a:t>
+            </a:r>
+            <a:r>
+              <a:rPr lang="en-US" sz="1200" dirty="0"/>
+              <a:t> </a:t>
+            </a:r>
+            <a:r>
+              <a:rPr lang="en-US" sz="1200" dirty="0" err="1"/>
+              <a:t>efisiensi</a:t>
+            </a:r>
+            <a:r>
+              <a:rPr lang="en-US" sz="1200" dirty="0"/>
+              <a:t>, </a:t>
+            </a:r>
+            <a:r>
+              <a:rPr lang="en-US" sz="1200" dirty="0" err="1"/>
+              <a:t>efektivitas</a:t>
+            </a:r>
+            <a:r>
+              <a:rPr lang="en-US" sz="1200" dirty="0"/>
+              <a:t>, </a:t>
+            </a:r>
+            <a:r>
+              <a:rPr lang="en-US" sz="1200" dirty="0" err="1"/>
+              <a:t>dan</a:t>
+            </a:r>
+            <a:r>
+              <a:rPr lang="en-US" sz="1200" dirty="0"/>
+              <a:t> </a:t>
+            </a:r>
+            <a:r>
+              <a:rPr lang="en-US" sz="1200" dirty="0" err="1"/>
+              <a:t>produktivitas</a:t>
+            </a:r>
+            <a:r>
+              <a:rPr lang="en-US" sz="1200" dirty="0"/>
+              <a:t> </a:t>
+            </a:r>
+            <a:r>
+              <a:rPr lang="en-US" sz="1200" dirty="0" err="1"/>
+              <a:t>bagi</a:t>
+            </a:r>
+            <a:r>
+              <a:rPr lang="en-US" sz="1200" dirty="0"/>
+              <a:t> </a:t>
+            </a:r>
+            <a:r>
+              <a:rPr lang="en-US" sz="1200" dirty="0" err="1"/>
+              <a:t>berbagai</a:t>
+            </a:r>
+            <a:r>
+              <a:rPr lang="en-US" sz="1200" dirty="0"/>
+              <a:t> </a:t>
+            </a:r>
+            <a:r>
+              <a:rPr lang="en-US" sz="1200" dirty="0" err="1" smtClean="0"/>
+              <a:t>instansi</a:t>
+            </a:r>
+            <a:r>
+              <a:rPr lang="en-US" sz="1200" dirty="0" smtClean="0"/>
+              <a:t>, </a:t>
+            </a:r>
+            <a:r>
+              <a:rPr lang="en-US" sz="1200" dirty="0" err="1" smtClean="0"/>
+              <a:t>salah</a:t>
+            </a:r>
+            <a:r>
+              <a:rPr lang="en-US" sz="1200" dirty="0" smtClean="0"/>
+              <a:t> </a:t>
+            </a:r>
+            <a:r>
+              <a:rPr lang="en-US" sz="1200" dirty="0" err="1" smtClean="0"/>
+              <a:t>satunya</a:t>
+            </a:r>
+            <a:r>
+              <a:rPr lang="en-US" sz="1200" dirty="0" smtClean="0"/>
+              <a:t> </a:t>
+            </a:r>
+            <a:r>
+              <a:rPr lang="en-US" sz="1200" dirty="0" err="1" smtClean="0"/>
+              <a:t>instansi</a:t>
+            </a:r>
+            <a:r>
+              <a:rPr lang="en-US" sz="1200" dirty="0" smtClean="0"/>
+              <a:t> </a:t>
+            </a:r>
+            <a:r>
+              <a:rPr lang="en-US" sz="1200" dirty="0" err="1" smtClean="0"/>
+              <a:t>kesehatan</a:t>
+            </a:r>
+            <a:r>
+              <a:rPr lang="en-US" sz="1200" dirty="0" smtClean="0"/>
+              <a:t> yang </a:t>
+            </a:r>
+            <a:r>
+              <a:rPr lang="en-US" sz="1200" dirty="0" err="1"/>
+              <a:t>sangat</a:t>
+            </a:r>
+            <a:r>
+              <a:rPr lang="en-US" sz="1200" dirty="0"/>
+              <a:t> </a:t>
+            </a:r>
+            <a:r>
+              <a:rPr lang="en-US" sz="1200" dirty="0" err="1"/>
+              <a:t>potensial</a:t>
+            </a:r>
+            <a:r>
+              <a:rPr lang="en-US" sz="1200" dirty="0"/>
+              <a:t> </a:t>
+            </a:r>
+            <a:r>
+              <a:rPr lang="en-US" sz="1200" dirty="0" err="1"/>
+              <a:t>untuk</a:t>
+            </a:r>
+            <a:r>
+              <a:rPr lang="en-US" sz="1200" dirty="0"/>
+              <a:t> </a:t>
+            </a:r>
+            <a:r>
+              <a:rPr lang="en-US" sz="1200" dirty="0" err="1"/>
+              <a:t>dapat</a:t>
+            </a:r>
+            <a:r>
+              <a:rPr lang="en-US" sz="1200" dirty="0"/>
+              <a:t> </a:t>
+            </a:r>
+            <a:r>
+              <a:rPr lang="en-US" sz="1200" dirty="0" err="1"/>
+              <a:t>diintegrasikan</a:t>
+            </a:r>
+            <a:r>
+              <a:rPr lang="en-US" sz="1200" dirty="0"/>
+              <a:t> </a:t>
+            </a:r>
+            <a:r>
+              <a:rPr lang="en-US" sz="1200" dirty="0" err="1"/>
+              <a:t>dengan</a:t>
+            </a:r>
+            <a:r>
+              <a:rPr lang="en-US" sz="1200" dirty="0"/>
+              <a:t> </a:t>
+            </a:r>
+            <a:r>
+              <a:rPr lang="en-US" sz="1200" dirty="0" err="1"/>
+              <a:t>kehadiran</a:t>
+            </a:r>
+            <a:r>
+              <a:rPr lang="en-US" sz="1200" dirty="0"/>
+              <a:t> </a:t>
+            </a:r>
+            <a:r>
+              <a:rPr lang="en-US" sz="1200" dirty="0" err="1"/>
+              <a:t>teknologi</a:t>
+            </a:r>
+            <a:r>
+              <a:rPr lang="en-US" sz="1200" dirty="0"/>
+              <a:t> </a:t>
+            </a:r>
+            <a:r>
+              <a:rPr lang="en-US" sz="1200" dirty="0" err="1" smtClean="0"/>
+              <a:t>informasi</a:t>
+            </a:r>
+            <a:r>
+              <a:rPr lang="en-US" sz="1200" dirty="0" smtClean="0"/>
+              <a:t>. </a:t>
+            </a:r>
+          </a:p>
+          <a:p>
+            <a:pPr marL="0" lvl="0" indent="0" algn="just"/>
+            <a:endParaRPr lang="en-US" sz="1200" dirty="0" smtClean="0"/>
+          </a:p>
+          <a:p>
+            <a:pPr marL="0" lvl="0" indent="0" algn="just"/>
+            <a:r>
+              <a:rPr lang="en" sz="1200" dirty="0" smtClean="0">
                 <a:latin typeface="Mulish" charset="0"/>
               </a:rPr>
-              <a:t>Proses manajemen puskesmas saat ini masih belum terintegrasi secara komputerisasi, baik dari bagian pendaftaran ke bagian rekam medis, dari rekam medis ke apotek, dan juga sebaliknya, dikarenakan sebagian proses yang masih dilakukan secara manual sehingga mengakibatkan beberapa masalah seperti pasien yang lupa membawa kartu berobat, tenaga kesehatan yang kesulitan mencari nomor rekam medis pasien, susahnya akses riwayat berobat pasien, dan juga petugas apotik yang kesulitan dalam menghitung logistik obat.</a:t>
-            </a:r>
+              <a:t>Proses pengelolaan data pada puskesmas saat ini masih belum terintegrasi secara komputerisasi, baik dari bagian pendaftaran ke bagian rekam medis, dari rekam medis ke apotek, dan juga sebaliknya, dikarenakan sebagian proses yang masih dilakukan secara manual sehingga mengakibatkan beberapa masalah seperti pasien yang lupa membawa kartu berobat, tenaga kesehatan yang kesulitan mencari nomor rekam medis pasien, susahnya akses riwayat berobat pasien, dan juga petugas apotik yang kesulitan dalam menghitung logistik </a:t>
+            </a:r>
+            <a:r>
+              <a:rPr lang="en" sz="1200" smtClean="0">
+                <a:latin typeface="Mulish" charset="0"/>
+              </a:rPr>
+              <a:t>obat.</a:t>
+            </a:r>
+          </a:p>
+          <a:p>
+            <a:pPr marL="0" lvl="0" indent="0" algn="just"/>
+            <a:endParaRPr lang="en" sz="1200" dirty="0" smtClean="0">
+              <a:latin typeface="Mulish" charset="0"/>
+            </a:endParaRPr>
           </a:p>
           <a:p>
             <a:pPr marL="0" lvl="0" indent="0" algn="just" rtl="0">
@@ -15948,14 +16330,11 @@
               <a:buNone/>
             </a:pPr>
             <a:r>
-              <a:rPr lang="en" dirty="0" smtClean="0">
+              <a:rPr lang="en" sz="1200" dirty="0" smtClean="0">
                 <a:latin typeface="Mulish" charset="0"/>
               </a:rPr>
               <a:t>Proses pendataan yang masih dilakukan secara manual dengan pencatatan menggunakan buku juga berdampak pada kerusakan, kehilangan data, maupun manipulasi data, hal ini dirasa kurang efektif dari segi perekapan data.</a:t>
             </a:r>
-            <a:endParaRPr lang="en" dirty="0" smtClean="0">
-              <a:latin typeface="Mulish" charset="0"/>
-            </a:endParaRPr>
           </a:p>
         </p:txBody>
       </p:sp>
